--- a/lesson05.pptx
+++ b/lesson05.pptx
@@ -5,7 +5,7 @@
     <p:sldMasterId id="2147483648" r:id="rId1"/>
   </p:sldMasterIdLst>
   <p:notesMasterIdLst>
-    <p:notesMasterId r:id="rId26"/>
+    <p:notesMasterId r:id="rId22"/>
   </p:notesMasterIdLst>
   <p:sldIdLst>
     <p:sldId id="496" r:id="rId2"/>
@@ -21,17 +21,13 @@
     <p:sldId id="341" r:id="rId12"/>
     <p:sldId id="396" r:id="rId13"/>
     <p:sldId id="397" r:id="rId14"/>
-    <p:sldId id="498" r:id="rId15"/>
-    <p:sldId id="499" r:id="rId16"/>
-    <p:sldId id="500" r:id="rId17"/>
-    <p:sldId id="501" r:id="rId18"/>
-    <p:sldId id="425" r:id="rId19"/>
-    <p:sldId id="408" r:id="rId20"/>
-    <p:sldId id="422" r:id="rId21"/>
-    <p:sldId id="567" r:id="rId22"/>
-    <p:sldId id="447" r:id="rId23"/>
-    <p:sldId id="525" r:id="rId24"/>
-    <p:sldId id="444" r:id="rId25"/>
+    <p:sldId id="425" r:id="rId15"/>
+    <p:sldId id="408" r:id="rId16"/>
+    <p:sldId id="422" r:id="rId17"/>
+    <p:sldId id="567" r:id="rId18"/>
+    <p:sldId id="447" r:id="rId19"/>
+    <p:sldId id="525" r:id="rId20"/>
+    <p:sldId id="444" r:id="rId21"/>
   </p:sldIdLst>
   <p:sldSz cx="12192000" cy="6858000"/>
   <p:notesSz cx="6858000" cy="9144000"/>
@@ -2274,12 +2270,27 @@
   </pc:docChgLst>
   <pc:docChgLst>
     <pc:chgData name="Anatoliy Kigel" userId="7432c6c4687b0a9c" providerId="LiveId" clId="{7C31E199-7EEE-4477-9C87-CC96F8BA28F4}"/>
-    <pc:docChg chg="modSld">
-      <pc:chgData name="Anatoliy Kigel" userId="7432c6c4687b0a9c" providerId="LiveId" clId="{7C31E199-7EEE-4477-9C87-CC96F8BA28F4}" dt="2023-12-29T17:38:58.186" v="4" actId="115"/>
+    <pc:docChg chg="delSld modSld">
+      <pc:chgData name="Anatoliy Kigel" userId="7432c6c4687b0a9c" providerId="LiveId" clId="{7C31E199-7EEE-4477-9C87-CC96F8BA28F4}" dt="2023-12-29T17:44:38.128" v="6" actId="20577"/>
       <pc:docMkLst>
         <pc:docMk/>
       </pc:docMkLst>
       <pc:sldChg chg="modSp mod">
+        <pc:chgData name="Anatoliy Kigel" userId="7432c6c4687b0a9c" providerId="LiveId" clId="{7C31E199-7EEE-4477-9C87-CC96F8BA28F4}" dt="2023-12-29T17:44:38.128" v="6" actId="20577"/>
+        <pc:sldMkLst>
+          <pc:docMk/>
+          <pc:sldMk cId="236005783" sldId="425"/>
+        </pc:sldMkLst>
+        <pc:spChg chg="mod">
+          <ac:chgData name="Anatoliy Kigel" userId="7432c6c4687b0a9c" providerId="LiveId" clId="{7C31E199-7EEE-4477-9C87-CC96F8BA28F4}" dt="2023-12-29T17:44:38.128" v="6" actId="20577"/>
+          <ac:spMkLst>
+            <pc:docMk/>
+            <pc:sldMk cId="236005783" sldId="425"/>
+            <ac:spMk id="5" creationId="{00000000-0000-0000-0000-000000000000}"/>
+          </ac:spMkLst>
+        </pc:spChg>
+      </pc:sldChg>
+      <pc:sldChg chg="modSp mod">
         <pc:chgData name="Anatoliy Kigel" userId="7432c6c4687b0a9c" providerId="LiveId" clId="{7C31E199-7EEE-4477-9C87-CC96F8BA28F4}" dt="2023-12-29T17:38:58.186" v="4" actId="115"/>
         <pc:sldMkLst>
           <pc:docMk/>
@@ -2293,6 +2304,34 @@
             <ac:spMk id="7" creationId="{00000000-0000-0000-0000-000000000000}"/>
           </ac:spMkLst>
         </pc:spChg>
+      </pc:sldChg>
+      <pc:sldChg chg="del">
+        <pc:chgData name="Anatoliy Kigel" userId="7432c6c4687b0a9c" providerId="LiveId" clId="{7C31E199-7EEE-4477-9C87-CC96F8BA28F4}" dt="2023-12-29T17:44:35.479" v="5" actId="2696"/>
+        <pc:sldMkLst>
+          <pc:docMk/>
+          <pc:sldMk cId="2495425632" sldId="498"/>
+        </pc:sldMkLst>
+      </pc:sldChg>
+      <pc:sldChg chg="del">
+        <pc:chgData name="Anatoliy Kigel" userId="7432c6c4687b0a9c" providerId="LiveId" clId="{7C31E199-7EEE-4477-9C87-CC96F8BA28F4}" dt="2023-12-29T17:44:35.479" v="5" actId="2696"/>
+        <pc:sldMkLst>
+          <pc:docMk/>
+          <pc:sldMk cId="1532842395" sldId="499"/>
+        </pc:sldMkLst>
+      </pc:sldChg>
+      <pc:sldChg chg="del">
+        <pc:chgData name="Anatoliy Kigel" userId="7432c6c4687b0a9c" providerId="LiveId" clId="{7C31E199-7EEE-4477-9C87-CC96F8BA28F4}" dt="2023-12-29T17:44:35.479" v="5" actId="2696"/>
+        <pc:sldMkLst>
+          <pc:docMk/>
+          <pc:sldMk cId="2453015292" sldId="500"/>
+        </pc:sldMkLst>
+      </pc:sldChg>
+      <pc:sldChg chg="del">
+        <pc:chgData name="Anatoliy Kigel" userId="7432c6c4687b0a9c" providerId="LiveId" clId="{7C31E199-7EEE-4477-9C87-CC96F8BA28F4}" dt="2023-12-29T17:44:35.479" v="5" actId="2696"/>
+        <pc:sldMkLst>
+          <pc:docMk/>
+          <pc:sldMk cId="1657804849" sldId="501"/>
+        </pc:sldMkLst>
       </pc:sldChg>
     </pc:docChg>
   </pc:docChgLst>
@@ -7239,1065 +7278,16 @@
           <a:p>
             <a:pPr algn="ctr"/>
             <a:r>
-              <a:rPr lang="ru-RU" sz="8000" b="1" dirty="0"/>
-              <a:t>4. Объект </a:t>
-            </a:r>
-            <a:r>
-              <a:rPr lang="it-IT" sz="8000" b="1" dirty="0">
-                <a:solidFill>
-                  <a:schemeClr val="accent6">
-                    <a:lumMod val="75000"/>
-                  </a:schemeClr>
-                </a:solidFill>
-              </a:rPr>
-              <a:t>Date</a:t>
-            </a:r>
-            <a:r>
-              <a:rPr lang="it-IT" sz="8000" b="1" dirty="0"/>
-              <a:t> </a:t>
-            </a:r>
-            <a:endParaRPr lang="ru-RU" sz="8000" b="1" dirty="0"/>
-          </a:p>
-        </p:txBody>
-      </p:sp>
-    </p:spTree>
-    <p:extLst>
-      <p:ext uri="{BB962C8B-B14F-4D97-AF65-F5344CB8AC3E}">
-        <p14:creationId xmlns:p14="http://schemas.microsoft.com/office/powerpoint/2010/main" val="2495425632"/>
-      </p:ext>
-    </p:extLst>
-  </p:cSld>
-  <p:clrMapOvr>
-    <a:masterClrMapping/>
-  </p:clrMapOvr>
-</p:sld>
-</file>
-
-<file path=ppt/slides/slide15.xml><?xml version="1.0" encoding="utf-8"?>
-<p:sld xmlns:a="http://schemas.openxmlformats.org/drawingml/2006/main" xmlns:r="http://schemas.openxmlformats.org/officeDocument/2006/relationships" xmlns:p="http://schemas.openxmlformats.org/presentationml/2006/main">
-  <p:cSld>
-    <p:spTree>
-      <p:nvGrpSpPr>
-        <p:cNvPr id="1" name=""/>
-        <p:cNvGrpSpPr/>
-        <p:nvPr/>
-      </p:nvGrpSpPr>
-      <p:grpSpPr>
-        <a:xfrm>
-          <a:off x="0" y="0"/>
-          <a:ext cx="0" cy="0"/>
-          <a:chOff x="0" y="0"/>
-          <a:chExt cx="0" cy="0"/>
-        </a:xfrm>
-      </p:grpSpPr>
-      <p:sp>
-        <p:nvSpPr>
-          <p:cNvPr id="6" name="Номер слайда 36"/>
-          <p:cNvSpPr txBox="1">
-            <a:spLocks/>
-          </p:cNvSpPr>
-          <p:nvPr/>
-        </p:nvSpPr>
-        <p:spPr>
-          <a:xfrm>
-            <a:off x="11208568" y="6237312"/>
-            <a:ext cx="648072" cy="432048"/>
-          </a:xfrm>
-          <a:prstGeom prst="roundRect">
-            <a:avLst/>
-          </a:prstGeom>
-          <a:ln w="25400" cap="flat" cmpd="sng" algn="ctr">
-            <a:solidFill>
-              <a:schemeClr val="tx2">
-                <a:lumMod val="60000"/>
-                <a:lumOff val="40000"/>
-              </a:schemeClr>
-            </a:solidFill>
-            <a:prstDash val="solid"/>
-          </a:ln>
-        </p:spPr>
-        <p:style>
-          <a:lnRef idx="2">
-            <a:schemeClr val="accent1"/>
-          </a:lnRef>
-          <a:fillRef idx="1">
-            <a:schemeClr val="lt1"/>
-          </a:fillRef>
-          <a:effectRef idx="0">
-            <a:schemeClr val="accent1"/>
-          </a:effectRef>
-          <a:fontRef idx="minor">
-            <a:schemeClr val="dk1"/>
-          </a:fontRef>
-        </p:style>
-        <p:txBody>
-          <a:bodyPr vert="horz" lIns="91440" tIns="45720" rIns="91440" bIns="45720" rtlCol="0" anchor="ctr"/>
-          <a:lstStyle/>
-          <a:p>
-            <a:pPr algn="ctr">
-              <a:defRPr/>
-            </a:pPr>
-            <a:fld id="{6389AA22-90B4-448C-8B6B-C699140D38B9}" type="slidenum">
-              <a:rPr lang="uk-UA" sz="2400" b="1">
-                <a:solidFill>
-                  <a:schemeClr val="bg1">
-                    <a:lumMod val="50000"/>
-                  </a:schemeClr>
-                </a:solidFill>
-              </a:rPr>
-              <a:pPr algn="ctr">
-                <a:defRPr/>
-              </a:pPr>
-              <a:t>15</a:t>
-            </a:fld>
-            <a:endParaRPr lang="uk-UA" sz="2400" b="1" dirty="0">
-              <a:solidFill>
-                <a:schemeClr val="bg1">
-                  <a:lumMod val="50000"/>
-                </a:schemeClr>
-              </a:solidFill>
-            </a:endParaRPr>
-          </a:p>
-        </p:txBody>
-      </p:sp>
-      <p:sp>
-        <p:nvSpPr>
-          <p:cNvPr id="4" name="Заголовок 4"/>
-          <p:cNvSpPr>
-            <a:spLocks noGrp="1"/>
-          </p:cNvSpPr>
-          <p:nvPr>
-            <p:ph type="title"/>
-          </p:nvPr>
-        </p:nvSpPr>
-        <p:spPr>
-          <a:xfrm>
-            <a:off x="0" y="116632"/>
-            <a:ext cx="12192000" cy="648072"/>
-          </a:xfrm>
-        </p:spPr>
-        <p:txBody>
-          <a:bodyPr>
-            <a:normAutofit fontScale="90000"/>
-          </a:bodyPr>
-          <a:lstStyle/>
-          <a:p>
-            <a:r>
-              <a:rPr lang="ru-RU" sz="4000" b="1" dirty="0"/>
-              <a:t>Дата/Время в </a:t>
-            </a:r>
-            <a:r>
-              <a:rPr lang="en-US" sz="4000" b="1" dirty="0"/>
-              <a:t>JavaScript</a:t>
-            </a:r>
-            <a:endParaRPr lang="uk-UA" sz="4000" b="1" dirty="0">
-              <a:solidFill>
-                <a:schemeClr val="bg1">
-                  <a:lumMod val="50000"/>
-                </a:schemeClr>
-              </a:solidFill>
-            </a:endParaRPr>
-          </a:p>
-        </p:txBody>
-      </p:sp>
-      <p:sp>
-        <p:nvSpPr>
-          <p:cNvPr id="7" name="TextBox 6"/>
-          <p:cNvSpPr txBox="1"/>
-          <p:nvPr/>
-        </p:nvSpPr>
-        <p:spPr>
-          <a:xfrm>
-            <a:off x="1872473" y="4509120"/>
-            <a:ext cx="8447053" cy="1323439"/>
-          </a:xfrm>
-          <a:prstGeom prst="rect">
-            <a:avLst/>
-          </a:prstGeom>
-          <a:noFill/>
-        </p:spPr>
-        <p:txBody>
-          <a:bodyPr wrap="square" rtlCol="0">
-            <a:spAutoFit/>
-          </a:bodyPr>
-          <a:lstStyle/>
-          <a:p>
-            <a:r>
-              <a:rPr lang="ru-RU" sz="2000" dirty="0"/>
-              <a:t>В </a:t>
-            </a:r>
-            <a:r>
-              <a:rPr lang="en-US" sz="2000" dirty="0"/>
-              <a:t>JavaScript </a:t>
-            </a:r>
-            <a:r>
-              <a:rPr lang="ru-RU" sz="2000" dirty="0"/>
-              <a:t>есть</a:t>
-            </a:r>
-            <a:r>
-              <a:rPr lang="en-US" sz="2000" dirty="0"/>
-              <a:t> (</a:t>
-            </a:r>
-            <a:r>
-              <a:rPr lang="ru-RU" sz="2000" i="1" dirty="0"/>
-              <a:t>относительно</a:t>
-            </a:r>
-            <a:r>
-              <a:rPr lang="en-US" sz="2000" dirty="0"/>
-              <a:t>)</a:t>
-            </a:r>
-            <a:r>
-              <a:rPr lang="ru-RU" sz="2000" dirty="0"/>
-              <a:t> удобные возможность работы с датой и временем</a:t>
-            </a:r>
-            <a:r>
-              <a:rPr lang="en-US" sz="2000" dirty="0"/>
-              <a:t> – </a:t>
-            </a:r>
-            <a:r>
-              <a:rPr lang="ru-RU" sz="2000" dirty="0"/>
-              <a:t>объект </a:t>
-            </a:r>
-            <a:r>
-              <a:rPr lang="en-US" sz="2000" b="1" dirty="0"/>
-              <a:t>Date</a:t>
-            </a:r>
-            <a:r>
-              <a:rPr lang="en-US" sz="2000" dirty="0"/>
-              <a:t>.</a:t>
-            </a:r>
-            <a:r>
-              <a:rPr lang="ru-RU" sz="2000" dirty="0"/>
-              <a:t> Дату можно преобразовать к </a:t>
-            </a:r>
-            <a:r>
-              <a:rPr lang="en-US" sz="2000" b="1" dirty="0"/>
-              <a:t>UTC-</a:t>
-            </a:r>
-            <a:r>
-              <a:rPr lang="ru-RU" sz="2000" dirty="0"/>
-              <a:t>виду</a:t>
-            </a:r>
-            <a:r>
-              <a:rPr lang="en-US" sz="2000" dirty="0"/>
-              <a:t> </a:t>
-            </a:r>
-            <a:r>
-              <a:rPr lang="ru-RU" sz="2000" dirty="0"/>
-              <a:t>или </a:t>
-            </a:r>
-            <a:r>
-              <a:rPr lang="en-US" sz="2000" b="1" dirty="0"/>
-              <a:t>timestamp’</a:t>
-            </a:r>
-            <a:r>
-              <a:rPr lang="ru-RU" sz="2000" dirty="0"/>
-              <a:t>у, и получить отдельные её компоненты (</a:t>
-            </a:r>
-            <a:r>
-              <a:rPr lang="ru-RU" sz="2000" i="1" dirty="0"/>
-              <a:t>год, месяц, … минуты, секунды</a:t>
-            </a:r>
-            <a:r>
-              <a:rPr lang="ru-RU" sz="2000" dirty="0"/>
-              <a:t>).</a:t>
-            </a:r>
-          </a:p>
-        </p:txBody>
-      </p:sp>
-      <p:pic>
-        <p:nvPicPr>
-          <p:cNvPr id="5" name="Рисунок 4"/>
-          <p:cNvPicPr>
-            <a:picLocks noChangeAspect="1"/>
-          </p:cNvPicPr>
-          <p:nvPr/>
-        </p:nvPicPr>
-        <p:blipFill>
-          <a:blip r:embed="rId2"/>
-          <a:stretch>
-            <a:fillRect/>
-          </a:stretch>
-        </p:blipFill>
-        <p:spPr>
-          <a:xfrm>
-            <a:off x="1872473" y="877975"/>
-            <a:ext cx="8447053" cy="3199097"/>
-          </a:xfrm>
-          <a:prstGeom prst="rect">
-            <a:avLst/>
-          </a:prstGeom>
-          <a:ln>
-            <a:noFill/>
-          </a:ln>
-          <a:effectLst>
-            <a:outerShdw blurRad="292100" dist="139700" dir="2700000" algn="tl" rotWithShape="0">
-              <a:srgbClr val="333333">
-                <a:alpha val="65000"/>
-              </a:srgbClr>
-            </a:outerShdw>
-          </a:effectLst>
-        </p:spPr>
-      </p:pic>
-      <p:sp>
-        <p:nvSpPr>
-          <p:cNvPr id="10" name="TextBox 9"/>
-          <p:cNvSpPr txBox="1"/>
-          <p:nvPr/>
-        </p:nvSpPr>
-        <p:spPr>
-          <a:xfrm>
-            <a:off x="1" y="5805264"/>
-            <a:ext cx="12191999" cy="369332"/>
-          </a:xfrm>
-          <a:prstGeom prst="rect">
-            <a:avLst/>
-          </a:prstGeom>
-          <a:noFill/>
-        </p:spPr>
-        <p:txBody>
-          <a:bodyPr wrap="square" rtlCol="0">
-            <a:spAutoFit/>
-          </a:bodyPr>
-          <a:lstStyle/>
-          <a:p>
-            <a:pPr algn="ctr"/>
-            <a:r>
-              <a:rPr lang="ru-RU" b="1" dirty="0"/>
-              <a:t>Подробнее: </a:t>
-            </a:r>
-            <a:r>
-              <a:rPr lang="ru-RU" b="1" dirty="0">
-                <a:hlinkClick r:id="rId3"/>
-              </a:rPr>
-              <a:t>https://learn.javascript.ru/datetime</a:t>
-            </a:r>
-            <a:endParaRPr lang="ru-RU" b="1" dirty="0"/>
-          </a:p>
-        </p:txBody>
-      </p:sp>
-    </p:spTree>
-    <p:extLst>
-      <p:ext uri="{BB962C8B-B14F-4D97-AF65-F5344CB8AC3E}">
-        <p14:creationId xmlns:p14="http://schemas.microsoft.com/office/powerpoint/2010/main" val="1532842395"/>
-      </p:ext>
-    </p:extLst>
-  </p:cSld>
-  <p:clrMapOvr>
-    <a:masterClrMapping/>
-  </p:clrMapOvr>
-</p:sld>
-</file>
-
-<file path=ppt/slides/slide16.xml><?xml version="1.0" encoding="utf-8"?>
-<p:sld xmlns:a="http://schemas.openxmlformats.org/drawingml/2006/main" xmlns:r="http://schemas.openxmlformats.org/officeDocument/2006/relationships" xmlns:p="http://schemas.openxmlformats.org/presentationml/2006/main">
-  <p:cSld>
-    <p:spTree>
-      <p:nvGrpSpPr>
-        <p:cNvPr id="1" name=""/>
-        <p:cNvGrpSpPr/>
-        <p:nvPr/>
-      </p:nvGrpSpPr>
-      <p:grpSpPr>
-        <a:xfrm>
-          <a:off x="0" y="0"/>
-          <a:ext cx="0" cy="0"/>
-          <a:chOff x="0" y="0"/>
-          <a:chExt cx="0" cy="0"/>
-        </a:xfrm>
-      </p:grpSpPr>
-      <p:sp>
-        <p:nvSpPr>
-          <p:cNvPr id="6" name="Номер слайда 36"/>
-          <p:cNvSpPr txBox="1">
-            <a:spLocks/>
-          </p:cNvSpPr>
-          <p:nvPr/>
-        </p:nvSpPr>
-        <p:spPr>
-          <a:xfrm>
-            <a:off x="11280576" y="6165304"/>
-            <a:ext cx="648072" cy="432048"/>
-          </a:xfrm>
-          <a:prstGeom prst="roundRect">
-            <a:avLst/>
-          </a:prstGeom>
-          <a:ln w="25400" cap="flat" cmpd="sng" algn="ctr">
-            <a:solidFill>
-              <a:schemeClr val="tx2">
-                <a:lumMod val="60000"/>
-                <a:lumOff val="40000"/>
-              </a:schemeClr>
-            </a:solidFill>
-            <a:prstDash val="solid"/>
-          </a:ln>
-        </p:spPr>
-        <p:style>
-          <a:lnRef idx="2">
-            <a:schemeClr val="accent1"/>
-          </a:lnRef>
-          <a:fillRef idx="1">
-            <a:schemeClr val="lt1"/>
-          </a:fillRef>
-          <a:effectRef idx="0">
-            <a:schemeClr val="accent1"/>
-          </a:effectRef>
-          <a:fontRef idx="minor">
-            <a:schemeClr val="dk1"/>
-          </a:fontRef>
-        </p:style>
-        <p:txBody>
-          <a:bodyPr vert="horz" lIns="91440" tIns="45720" rIns="91440" bIns="45720" rtlCol="0" anchor="ctr"/>
-          <a:lstStyle/>
-          <a:p>
-            <a:pPr algn="ctr">
-              <a:defRPr/>
-            </a:pPr>
-            <a:fld id="{6389AA22-90B4-448C-8B6B-C699140D38B9}" type="slidenum">
-              <a:rPr lang="uk-UA" sz="2400" b="1">
-                <a:solidFill>
-                  <a:schemeClr val="bg1">
-                    <a:lumMod val="50000"/>
-                  </a:schemeClr>
-                </a:solidFill>
-              </a:rPr>
-              <a:pPr algn="ctr">
-                <a:defRPr/>
-              </a:pPr>
-              <a:t>16</a:t>
-            </a:fld>
-            <a:endParaRPr lang="uk-UA" sz="2400" b="1" dirty="0">
-              <a:solidFill>
-                <a:schemeClr val="bg1">
-                  <a:lumMod val="50000"/>
-                </a:schemeClr>
-              </a:solidFill>
-            </a:endParaRPr>
-          </a:p>
-        </p:txBody>
-      </p:sp>
-      <p:sp>
-        <p:nvSpPr>
-          <p:cNvPr id="4" name="Заголовок 4"/>
-          <p:cNvSpPr>
-            <a:spLocks noGrp="1"/>
-          </p:cNvSpPr>
-          <p:nvPr>
-            <p:ph type="title"/>
-          </p:nvPr>
-        </p:nvSpPr>
-        <p:spPr>
-          <a:xfrm>
-            <a:off x="0" y="332656"/>
-            <a:ext cx="12192000" cy="648072"/>
-          </a:xfrm>
-        </p:spPr>
-        <p:txBody>
-          <a:bodyPr>
-            <a:normAutofit fontScale="90000"/>
-          </a:bodyPr>
-          <a:lstStyle/>
-          <a:p>
-            <a:r>
-              <a:rPr lang="ru-RU" sz="4000" b="1" dirty="0"/>
-              <a:t>Дата/Время в </a:t>
-            </a:r>
-            <a:r>
-              <a:rPr lang="en-US" sz="4000" b="1" dirty="0"/>
-              <a:t>JavaScript</a:t>
-            </a:r>
-            <a:endParaRPr lang="uk-UA" sz="4000" b="1" dirty="0">
-              <a:solidFill>
-                <a:schemeClr val="bg1">
-                  <a:lumMod val="50000"/>
-                </a:schemeClr>
-              </a:solidFill>
-            </a:endParaRPr>
-          </a:p>
-        </p:txBody>
-      </p:sp>
-      <p:sp>
-        <p:nvSpPr>
-          <p:cNvPr id="2" name="TextBox 1"/>
-          <p:cNvSpPr txBox="1"/>
-          <p:nvPr/>
-        </p:nvSpPr>
-        <p:spPr>
-          <a:xfrm>
-            <a:off x="2927648" y="5016078"/>
-            <a:ext cx="7200800" cy="1077218"/>
-          </a:xfrm>
-          <a:prstGeom prst="rect">
-            <a:avLst/>
-          </a:prstGeom>
-          <a:noFill/>
-        </p:spPr>
-        <p:txBody>
-          <a:bodyPr wrap="square" rtlCol="0">
-            <a:spAutoFit/>
-          </a:bodyPr>
-          <a:lstStyle/>
-          <a:p>
-            <a:r>
-              <a:rPr lang="ru-RU" sz="1600" dirty="0"/>
-              <a:t>Две даты можно вычитать одну из другой, в результате мы можем получить разницу в миллисекундах между этими датами. Это возможно за счёт преобразования даты к числу (</a:t>
-            </a:r>
-            <a:r>
-              <a:rPr lang="en-US" sz="1600" b="1" dirty="0"/>
-              <a:t>Timestamp’</a:t>
-            </a:r>
-            <a:r>
-              <a:rPr lang="ru-RU" sz="1600" b="1" dirty="0"/>
-              <a:t>у</a:t>
-            </a:r>
-            <a:r>
-              <a:rPr lang="ru-RU" sz="1600" dirty="0"/>
-              <a:t>) которое показывает кол-во миллисекунд прошедшее от начала </a:t>
-            </a:r>
-            <a:r>
-              <a:rPr lang="en-US" sz="1600" dirty="0"/>
-              <a:t>Unix-</a:t>
-            </a:r>
-            <a:r>
-              <a:rPr lang="ru-RU" sz="1600" dirty="0"/>
-              <a:t>эпохи.</a:t>
-            </a:r>
-          </a:p>
-        </p:txBody>
-      </p:sp>
-      <p:sp>
-        <p:nvSpPr>
-          <p:cNvPr id="7" name="TextBox 6"/>
-          <p:cNvSpPr txBox="1"/>
-          <p:nvPr/>
-        </p:nvSpPr>
-        <p:spPr>
-          <a:xfrm>
-            <a:off x="1" y="6228020"/>
-            <a:ext cx="12191999" cy="369332"/>
-          </a:xfrm>
-          <a:prstGeom prst="rect">
-            <a:avLst/>
-          </a:prstGeom>
-          <a:noFill/>
-        </p:spPr>
-        <p:txBody>
-          <a:bodyPr wrap="square" rtlCol="0">
-            <a:spAutoFit/>
-          </a:bodyPr>
-          <a:lstStyle/>
-          <a:p>
-            <a:pPr algn="ctr"/>
-            <a:r>
-              <a:rPr lang="ru-RU" b="1" dirty="0"/>
-              <a:t>Подробнее: </a:t>
-            </a:r>
-            <a:r>
-              <a:rPr lang="ru-RU" b="1" dirty="0">
-                <a:hlinkClick r:id="rId2"/>
-              </a:rPr>
-              <a:t>https://learn.javascript.ru/datetime</a:t>
-            </a:r>
-            <a:endParaRPr lang="ru-RU" b="1" dirty="0"/>
-          </a:p>
-        </p:txBody>
-      </p:sp>
-      <p:pic>
-        <p:nvPicPr>
-          <p:cNvPr id="8" name="Рисунок 7"/>
-          <p:cNvPicPr>
-            <a:picLocks noChangeAspect="1"/>
-          </p:cNvPicPr>
-          <p:nvPr/>
-        </p:nvPicPr>
-        <p:blipFill>
-          <a:blip r:embed="rId3"/>
-          <a:stretch>
-            <a:fillRect/>
-          </a:stretch>
-        </p:blipFill>
-        <p:spPr>
-          <a:xfrm>
-            <a:off x="1404937" y="1071102"/>
-            <a:ext cx="9382125" cy="3724275"/>
-          </a:xfrm>
-          <a:prstGeom prst="rect">
-            <a:avLst/>
-          </a:prstGeom>
-          <a:ln>
-            <a:noFill/>
-          </a:ln>
-          <a:effectLst>
-            <a:outerShdw blurRad="292100" dist="139700" dir="2700000" algn="tl" rotWithShape="0">
-              <a:srgbClr val="333333">
-                <a:alpha val="65000"/>
-              </a:srgbClr>
-            </a:outerShdw>
-          </a:effectLst>
-        </p:spPr>
-      </p:pic>
-    </p:spTree>
-    <p:extLst>
-      <p:ext uri="{BB962C8B-B14F-4D97-AF65-F5344CB8AC3E}">
-        <p14:creationId xmlns:p14="http://schemas.microsoft.com/office/powerpoint/2010/main" val="2453015292"/>
-      </p:ext>
-    </p:extLst>
-  </p:cSld>
-  <p:clrMapOvr>
-    <a:masterClrMapping/>
-  </p:clrMapOvr>
-</p:sld>
-</file>
-
-<file path=ppt/slides/slide17.xml><?xml version="1.0" encoding="utf-8"?>
-<p:sld xmlns:a="http://schemas.openxmlformats.org/drawingml/2006/main" xmlns:r="http://schemas.openxmlformats.org/officeDocument/2006/relationships" xmlns:p="http://schemas.openxmlformats.org/presentationml/2006/main">
-  <p:cSld>
-    <p:spTree>
-      <p:nvGrpSpPr>
-        <p:cNvPr id="1" name=""/>
-        <p:cNvGrpSpPr/>
-        <p:nvPr/>
-      </p:nvGrpSpPr>
-      <p:grpSpPr>
-        <a:xfrm>
-          <a:off x="0" y="0"/>
-          <a:ext cx="0" cy="0"/>
-          <a:chOff x="0" y="0"/>
-          <a:chExt cx="0" cy="0"/>
-        </a:xfrm>
-      </p:grpSpPr>
-      <p:sp>
-        <p:nvSpPr>
-          <p:cNvPr id="6" name="Номер слайда 36"/>
-          <p:cNvSpPr txBox="1">
-            <a:spLocks/>
-          </p:cNvSpPr>
-          <p:nvPr/>
-        </p:nvSpPr>
-        <p:spPr>
-          <a:xfrm>
-            <a:off x="11208568" y="6237312"/>
-            <a:ext cx="648072" cy="432048"/>
-          </a:xfrm>
-          <a:prstGeom prst="roundRect">
-            <a:avLst/>
-          </a:prstGeom>
-          <a:ln w="25400" cap="flat" cmpd="sng" algn="ctr">
-            <a:solidFill>
-              <a:schemeClr val="tx2">
-                <a:lumMod val="60000"/>
-                <a:lumOff val="40000"/>
-              </a:schemeClr>
-            </a:solidFill>
-            <a:prstDash val="solid"/>
-          </a:ln>
-        </p:spPr>
-        <p:style>
-          <a:lnRef idx="2">
-            <a:schemeClr val="accent1"/>
-          </a:lnRef>
-          <a:fillRef idx="1">
-            <a:schemeClr val="lt1"/>
-          </a:fillRef>
-          <a:effectRef idx="0">
-            <a:schemeClr val="accent1"/>
-          </a:effectRef>
-          <a:fontRef idx="minor">
-            <a:schemeClr val="dk1"/>
-          </a:fontRef>
-        </p:style>
-        <p:txBody>
-          <a:bodyPr vert="horz" lIns="91440" tIns="45720" rIns="91440" bIns="45720" rtlCol="0" anchor="ctr"/>
-          <a:lstStyle/>
-          <a:p>
-            <a:pPr algn="ctr">
-              <a:defRPr/>
-            </a:pPr>
-            <a:fld id="{6389AA22-90B4-448C-8B6B-C699140D38B9}" type="slidenum">
-              <a:rPr lang="uk-UA" sz="2400" b="1">
-                <a:solidFill>
-                  <a:schemeClr val="bg1">
-                    <a:lumMod val="50000"/>
-                  </a:schemeClr>
-                </a:solidFill>
-              </a:rPr>
-              <a:pPr algn="ctr">
-                <a:defRPr/>
-              </a:pPr>
-              <a:t>17</a:t>
-            </a:fld>
-            <a:endParaRPr lang="uk-UA" sz="2400" b="1" dirty="0">
-              <a:solidFill>
-                <a:schemeClr val="bg1">
-                  <a:lumMod val="50000"/>
-                </a:schemeClr>
-              </a:solidFill>
-            </a:endParaRPr>
-          </a:p>
-        </p:txBody>
-      </p:sp>
-      <p:sp>
-        <p:nvSpPr>
-          <p:cNvPr id="4" name="Заголовок 4"/>
-          <p:cNvSpPr>
-            <a:spLocks noGrp="1"/>
-          </p:cNvSpPr>
-          <p:nvPr>
-            <p:ph type="title"/>
-          </p:nvPr>
-        </p:nvSpPr>
-        <p:spPr>
-          <a:xfrm>
-            <a:off x="0" y="332656"/>
-            <a:ext cx="12192000" cy="648072"/>
-          </a:xfrm>
-        </p:spPr>
-        <p:txBody>
-          <a:bodyPr>
-            <a:normAutofit fontScale="90000"/>
-          </a:bodyPr>
-          <a:lstStyle/>
-          <a:p>
-            <a:r>
-              <a:rPr lang="ru-RU" sz="4000" b="1" dirty="0"/>
-              <a:t>Дата/Время в </a:t>
-            </a:r>
-            <a:r>
-              <a:rPr lang="en-US" sz="4000" b="1" dirty="0"/>
-              <a:t>JavaScript</a:t>
-            </a:r>
-            <a:endParaRPr lang="uk-UA" sz="4000" b="1" dirty="0">
-              <a:solidFill>
-                <a:schemeClr val="bg1">
-                  <a:lumMod val="50000"/>
-                </a:schemeClr>
-              </a:solidFill>
-            </a:endParaRPr>
-          </a:p>
-        </p:txBody>
-      </p:sp>
-      <p:sp>
-        <p:nvSpPr>
-          <p:cNvPr id="10" name="TextBox 9"/>
-          <p:cNvSpPr txBox="1"/>
-          <p:nvPr/>
-        </p:nvSpPr>
-        <p:spPr>
-          <a:xfrm>
-            <a:off x="1" y="5805264"/>
-            <a:ext cx="12191999" cy="369332"/>
-          </a:xfrm>
-          <a:prstGeom prst="rect">
-            <a:avLst/>
-          </a:prstGeom>
-          <a:noFill/>
-        </p:spPr>
-        <p:txBody>
-          <a:bodyPr wrap="square" rtlCol="0">
-            <a:spAutoFit/>
-          </a:bodyPr>
-          <a:lstStyle/>
-          <a:p>
-            <a:pPr algn="ctr"/>
-            <a:r>
-              <a:rPr lang="ru-RU" b="1" dirty="0"/>
-              <a:t>Подробнее: </a:t>
-            </a:r>
-            <a:r>
-              <a:rPr lang="en-US" b="1" dirty="0">
-                <a:hlinkClick r:id="rId2"/>
-              </a:rPr>
-              <a:t>https://habr.com/ru/company/mailru/blog/438286/</a:t>
-            </a:r>
-            <a:endParaRPr lang="ru-RU" b="1" dirty="0"/>
-          </a:p>
-        </p:txBody>
-      </p:sp>
-      <p:sp>
-        <p:nvSpPr>
-          <p:cNvPr id="2" name="TextBox 1"/>
-          <p:cNvSpPr txBox="1"/>
-          <p:nvPr/>
-        </p:nvSpPr>
-        <p:spPr>
-          <a:xfrm>
-            <a:off x="623392" y="1302540"/>
-            <a:ext cx="10945216" cy="4154984"/>
-          </a:xfrm>
-          <a:prstGeom prst="rect">
-            <a:avLst/>
-          </a:prstGeom>
-          <a:noFill/>
-        </p:spPr>
-        <p:txBody>
-          <a:bodyPr wrap="square" rtlCol="0">
-            <a:spAutoFit/>
-          </a:bodyPr>
-          <a:lstStyle/>
-          <a:p>
-            <a:r>
-              <a:rPr lang="ru-RU" sz="2400" dirty="0"/>
-              <a:t>Важные моменты при работу с </a:t>
-            </a:r>
-            <a:r>
-              <a:rPr lang="ru-RU" sz="2400" b="1" dirty="0"/>
-              <a:t>датой</a:t>
-            </a:r>
-            <a:r>
-              <a:rPr lang="en-US" sz="2400" b="1" dirty="0"/>
-              <a:t>/</a:t>
-            </a:r>
-            <a:r>
-              <a:rPr lang="ru-RU" sz="2400" b="1" dirty="0"/>
-              <a:t>временем</a:t>
-            </a:r>
-            <a:r>
-              <a:rPr lang="ru-RU" sz="2400" dirty="0"/>
-              <a:t>:</a:t>
-            </a:r>
-          </a:p>
-          <a:p>
-            <a:endParaRPr lang="ru-RU" sz="2400" dirty="0"/>
-          </a:p>
-          <a:p>
-            <a:pPr marL="342900" indent="-342900">
-              <a:buAutoNum type="arabicParenR"/>
-            </a:pPr>
-            <a:r>
-              <a:rPr lang="ru-RU" sz="2400" dirty="0"/>
-              <a:t>Не забывать про разницу между местным и </a:t>
-            </a:r>
-            <a:r>
-              <a:rPr lang="en-US" sz="2400" dirty="0"/>
-              <a:t>UTC-</a:t>
-            </a:r>
-            <a:r>
-              <a:rPr lang="ru-RU" sz="2400" dirty="0"/>
-              <a:t>временем;</a:t>
-            </a:r>
-          </a:p>
-          <a:p>
-            <a:pPr marL="342900" indent="-342900">
-              <a:buFontTx/>
-              <a:buAutoNum type="arabicParenR"/>
-            </a:pPr>
-            <a:r>
-              <a:rPr lang="ru-RU" sz="2400" dirty="0"/>
-              <a:t>Не забывать про смещение (</a:t>
-            </a:r>
-            <a:r>
-              <a:rPr lang="en-US" sz="2400" dirty="0"/>
-              <a:t> </a:t>
-            </a:r>
-            <a:r>
-              <a:rPr lang="ru-RU" sz="2400" dirty="0"/>
-              <a:t>метод: </a:t>
-            </a:r>
-            <a:r>
-              <a:rPr lang="en-US" sz="2400" dirty="0"/>
-              <a:t>.</a:t>
-            </a:r>
-            <a:r>
-              <a:rPr lang="en-US" sz="2400" b="1" dirty="0" err="1"/>
-              <a:t>getTimezoneOffset</a:t>
-            </a:r>
-            <a:r>
-              <a:rPr lang="en-US" sz="2400" b="1" dirty="0"/>
-              <a:t>()</a:t>
-            </a:r>
-            <a:r>
-              <a:rPr lang="ru-RU" sz="2400" dirty="0"/>
-              <a:t>);</a:t>
-            </a:r>
-          </a:p>
-          <a:p>
-            <a:pPr marL="342900" indent="-342900">
-              <a:buFontTx/>
-              <a:buAutoNum type="arabicParenR"/>
-            </a:pPr>
-            <a:r>
-              <a:rPr lang="ru-RU" sz="2400" dirty="0"/>
-              <a:t>Помнить о возможности преобразования даты времени в </a:t>
-            </a:r>
-            <a:r>
-              <a:rPr lang="en-US" sz="2400" b="1" dirty="0"/>
-              <a:t>timestamp</a:t>
-            </a:r>
-            <a:r>
-              <a:rPr lang="en-US" sz="2400" dirty="0"/>
-              <a:t> </a:t>
-            </a:r>
-            <a:r>
-              <a:rPr lang="ru-RU" sz="2400" dirty="0"/>
-              <a:t>и обратно;</a:t>
-            </a:r>
-          </a:p>
-          <a:p>
-            <a:pPr marL="342900" indent="-342900">
-              <a:buFontTx/>
-              <a:buAutoNum type="arabicParenR"/>
-            </a:pPr>
-            <a:r>
-              <a:rPr lang="ru-RU" sz="2400" dirty="0"/>
-              <a:t>Помнить о возможности выполнять </a:t>
-            </a:r>
-            <a:r>
-              <a:rPr lang="ru-RU" sz="2400" b="1" dirty="0"/>
-              <a:t>вычитание</a:t>
-            </a:r>
-            <a:r>
-              <a:rPr lang="ru-RU" sz="2400" dirty="0"/>
-              <a:t> дат (и тем самым находить продолжительность какого-либо процесса)</a:t>
-            </a:r>
-            <a:r>
-              <a:rPr lang="en-US" sz="2400" dirty="0"/>
-              <a:t>;</a:t>
-            </a:r>
-          </a:p>
-          <a:p>
-            <a:pPr marL="342900" indent="-342900">
-              <a:buFontTx/>
-              <a:buAutoNum type="arabicParenR"/>
-            </a:pPr>
-            <a:r>
-              <a:rPr lang="en-US" sz="2400" dirty="0"/>
-              <a:t>JavaScript </a:t>
-            </a:r>
-            <a:r>
-              <a:rPr lang="ru-RU" sz="2400" dirty="0"/>
-              <a:t>даёт определённые возможности по форматирование вывода даты/времени, при помощи методов </a:t>
-            </a:r>
-            <a:r>
-              <a:rPr lang="ru-RU" sz="2400" b="1" dirty="0"/>
-              <a:t>.</a:t>
-            </a:r>
-            <a:r>
-              <a:rPr lang="en-US" sz="2400" b="1" dirty="0" err="1"/>
-              <a:t>toLocaleString</a:t>
-            </a:r>
-            <a:r>
-              <a:rPr lang="ru-RU" sz="2400" b="1" dirty="0"/>
-              <a:t>()</a:t>
-            </a:r>
-            <a:r>
-              <a:rPr lang="ru-RU" sz="2400" dirty="0"/>
-              <a:t>,</a:t>
-            </a:r>
-            <a:r>
-              <a:rPr lang="ru-RU" sz="2400" b="1" dirty="0"/>
-              <a:t> .</a:t>
-            </a:r>
-            <a:r>
-              <a:rPr lang="en-US" sz="2400" b="1" dirty="0"/>
-              <a:t> </a:t>
-            </a:r>
-            <a:r>
-              <a:rPr lang="en-US" sz="2400" b="1" dirty="0" err="1"/>
-              <a:t>toLocaleDateString</a:t>
-            </a:r>
-            <a:r>
-              <a:rPr lang="en-US" sz="2400" b="1" dirty="0"/>
-              <a:t>()</a:t>
-            </a:r>
-            <a:r>
-              <a:rPr lang="en-US" sz="2400" dirty="0"/>
-              <a:t>,</a:t>
-            </a:r>
-            <a:r>
-              <a:rPr lang="en-US" sz="2400" b="1" dirty="0"/>
-              <a:t> .</a:t>
-            </a:r>
-            <a:r>
-              <a:rPr lang="en-US" sz="2400" b="1" dirty="0" err="1"/>
-              <a:t>toLocalTimeString</a:t>
-            </a:r>
-            <a:r>
-              <a:rPr lang="en-US" sz="2400" b="1" dirty="0"/>
-              <a:t>()</a:t>
-            </a:r>
-            <a:r>
-              <a:rPr lang="en-US" sz="2400" dirty="0"/>
+              <a:rPr lang="en-US" sz="6600" b="1"/>
+              <a:t>4</a:t>
+            </a:r>
+            <a:r>
+              <a:rPr lang="ru-RU" sz="6600" b="1"/>
               <a:t>. </a:t>
             </a:r>
             <a:r>
-              <a:rPr lang="ru-RU" sz="2400" dirty="0"/>
-              <a:t>Но эти возможности крайне ограничены.</a:t>
-            </a:r>
-          </a:p>
-        </p:txBody>
-      </p:sp>
-    </p:spTree>
-    <p:extLst>
-      <p:ext uri="{BB962C8B-B14F-4D97-AF65-F5344CB8AC3E}">
-        <p14:creationId xmlns:p14="http://schemas.microsoft.com/office/powerpoint/2010/main" val="1657804849"/>
-      </p:ext>
-    </p:extLst>
-  </p:cSld>
-  <p:clrMapOvr>
-    <a:masterClrMapping/>
-  </p:clrMapOvr>
-</p:sld>
-</file>
-
-<file path=ppt/slides/slide18.xml><?xml version="1.0" encoding="utf-8"?>
-<p:sld xmlns:a="http://schemas.openxmlformats.org/drawingml/2006/main" xmlns:r="http://schemas.openxmlformats.org/officeDocument/2006/relationships" xmlns:p="http://schemas.openxmlformats.org/presentationml/2006/main">
-  <p:cSld>
-    <p:spTree>
-      <p:nvGrpSpPr>
-        <p:cNvPr id="1" name=""/>
-        <p:cNvGrpSpPr/>
-        <p:nvPr/>
-      </p:nvGrpSpPr>
-      <p:grpSpPr>
-        <a:xfrm>
-          <a:off x="0" y="0"/>
-          <a:ext cx="0" cy="0"/>
-          <a:chOff x="0" y="0"/>
-          <a:chExt cx="0" cy="0"/>
-        </a:xfrm>
-      </p:grpSpPr>
-      <p:sp>
-        <p:nvSpPr>
-          <p:cNvPr id="5" name="Прямоугольник 4"/>
-          <p:cNvSpPr/>
-          <p:nvPr/>
-        </p:nvSpPr>
-        <p:spPr>
-          <a:xfrm>
-            <a:off x="0" y="0"/>
-            <a:ext cx="12192000" cy="6858000"/>
-          </a:xfrm>
-          <a:prstGeom prst="rect">
-            <a:avLst/>
-          </a:prstGeom>
-          <a:solidFill>
-            <a:srgbClr val="002060"/>
-          </a:solidFill>
-        </p:spPr>
-        <p:style>
-          <a:lnRef idx="2">
-            <a:schemeClr val="accent1">
-              <a:shade val="50000"/>
-            </a:schemeClr>
-          </a:lnRef>
-          <a:fillRef idx="1">
-            <a:schemeClr val="accent1"/>
-          </a:fillRef>
-          <a:effectRef idx="0">
-            <a:schemeClr val="accent1"/>
-          </a:effectRef>
-          <a:fontRef idx="minor">
-            <a:schemeClr val="lt1"/>
-          </a:fontRef>
-        </p:style>
-        <p:txBody>
-          <a:bodyPr rtlCol="0" anchor="ctr"/>
-          <a:lstStyle/>
-          <a:p>
-            <a:pPr algn="ctr"/>
-            <a:r>
               <a:rPr lang="ru-RU" sz="6600" b="1" dirty="0"/>
-              <a:t>5. Немного практики</a:t>
+              <a:t>Немного практики</a:t>
             </a:r>
             <a:endParaRPr lang="uk-UA" sz="6600" b="1" dirty="0"/>
           </a:p>
@@ -8316,7 +7306,7 @@
 </p:sld>
 </file>
 
-<file path=ppt/slides/slide19.xml><?xml version="1.0" encoding="utf-8"?>
+<file path=ppt/slides/slide15.xml><?xml version="1.0" encoding="utf-8"?>
 <p:sld xmlns:a="http://schemas.openxmlformats.org/drawingml/2006/main" xmlns:r="http://schemas.openxmlformats.org/officeDocument/2006/relationships" xmlns:p="http://schemas.openxmlformats.org/presentationml/2006/main">
   <p:cSld>
     <p:spTree>
@@ -8421,7 +7411,7 @@
               <a:pPr algn="ctr">
                 <a:defRPr/>
               </a:pPr>
-              <a:t>19</a:t>
+              <a:t>15</a:t>
             </a:fld>
             <a:endParaRPr lang="uk-UA" sz="2400" b="1" dirty="0">
               <a:solidFill>
@@ -8698,84 +7688,7 @@
 </p:sld>
 </file>
 
-<file path=ppt/slides/slide2.xml><?xml version="1.0" encoding="utf-8"?>
-<p:sld xmlns:a="http://schemas.openxmlformats.org/drawingml/2006/main" xmlns:r="http://schemas.openxmlformats.org/officeDocument/2006/relationships" xmlns:p="http://schemas.openxmlformats.org/presentationml/2006/main">
-  <p:cSld>
-    <p:spTree>
-      <p:nvGrpSpPr>
-        <p:cNvPr id="1" name=""/>
-        <p:cNvGrpSpPr/>
-        <p:nvPr/>
-      </p:nvGrpSpPr>
-      <p:grpSpPr>
-        <a:xfrm>
-          <a:off x="0" y="0"/>
-          <a:ext cx="0" cy="0"/>
-          <a:chOff x="0" y="0"/>
-          <a:chExt cx="0" cy="0"/>
-        </a:xfrm>
-      </p:grpSpPr>
-      <p:sp>
-        <p:nvSpPr>
-          <p:cNvPr id="5" name="Прямоугольник 4"/>
-          <p:cNvSpPr/>
-          <p:nvPr/>
-        </p:nvSpPr>
-        <p:spPr>
-          <a:xfrm>
-            <a:off x="0" y="0"/>
-            <a:ext cx="12192000" cy="6858000"/>
-          </a:xfrm>
-          <a:prstGeom prst="rect">
-            <a:avLst/>
-          </a:prstGeom>
-          <a:solidFill>
-            <a:srgbClr val="002060"/>
-          </a:solidFill>
-        </p:spPr>
-        <p:style>
-          <a:lnRef idx="2">
-            <a:schemeClr val="accent1">
-              <a:shade val="50000"/>
-            </a:schemeClr>
-          </a:lnRef>
-          <a:fillRef idx="1">
-            <a:schemeClr val="accent1"/>
-          </a:fillRef>
-          <a:effectRef idx="0">
-            <a:schemeClr val="accent1"/>
-          </a:effectRef>
-          <a:fontRef idx="minor">
-            <a:schemeClr val="lt1"/>
-          </a:fontRef>
-        </p:style>
-        <p:txBody>
-          <a:bodyPr rtlCol="0" anchor="ctr"/>
-          <a:lstStyle/>
-          <a:p>
-            <a:pPr algn="ctr"/>
-            <a:r>
-              <a:rPr lang="ru-RU" sz="8000" b="1" dirty="0"/>
-              <a:t>1. Объекты</a:t>
-            </a:r>
-            <a:endParaRPr lang="uk-UA" sz="8000" b="1" dirty="0"/>
-          </a:p>
-        </p:txBody>
-      </p:sp>
-    </p:spTree>
-    <p:extLst>
-      <p:ext uri="{BB962C8B-B14F-4D97-AF65-F5344CB8AC3E}">
-        <p14:creationId xmlns:p14="http://schemas.microsoft.com/office/powerpoint/2010/main" val="3253847286"/>
-      </p:ext>
-    </p:extLst>
-  </p:cSld>
-  <p:clrMapOvr>
-    <a:masterClrMapping/>
-  </p:clrMapOvr>
-</p:sld>
-</file>
-
-<file path=ppt/slides/slide20.xml><?xml version="1.0" encoding="utf-8"?>
+<file path=ppt/slides/slide16.xml><?xml version="1.0" encoding="utf-8"?>
 <p:sld xmlns:a="http://schemas.openxmlformats.org/drawingml/2006/main" xmlns:r="http://schemas.openxmlformats.org/officeDocument/2006/relationships" xmlns:p="http://schemas.openxmlformats.org/presentationml/2006/main">
   <p:cSld>
     <p:spTree>
@@ -8880,7 +7793,7 @@
               <a:pPr algn="ctr">
                 <a:defRPr/>
               </a:pPr>
-              <a:t>20</a:t>
+              <a:t>16</a:t>
             </a:fld>
             <a:endParaRPr lang="uk-UA" sz="2400" b="1" dirty="0">
               <a:solidFill>
@@ -9072,7 +7985,7 @@
 </p:sld>
 </file>
 
-<file path=ppt/slides/slide21.xml><?xml version="1.0" encoding="utf-8"?>
+<file path=ppt/slides/slide17.xml><?xml version="1.0" encoding="utf-8"?>
 <p:sld xmlns:a="http://schemas.openxmlformats.org/drawingml/2006/main" xmlns:r="http://schemas.openxmlformats.org/officeDocument/2006/relationships" xmlns:p="http://schemas.openxmlformats.org/presentationml/2006/main">
   <p:cSld>
     <p:spTree>
@@ -9149,7 +8062,7 @@
 </p:sld>
 </file>
 
-<file path=ppt/slides/slide22.xml><?xml version="1.0" encoding="utf-8"?>
+<file path=ppt/slides/slide18.xml><?xml version="1.0" encoding="utf-8"?>
 <p:sld xmlns:a="http://schemas.openxmlformats.org/drawingml/2006/main" xmlns:r="http://schemas.openxmlformats.org/officeDocument/2006/relationships" xmlns:p="http://schemas.openxmlformats.org/presentationml/2006/main">
   <p:cSld>
     <p:spTree>
@@ -9280,7 +8193,7 @@
 </p:sld>
 </file>
 
-<file path=ppt/slides/slide23.xml><?xml version="1.0" encoding="utf-8"?>
+<file path=ppt/slides/slide19.xml><?xml version="1.0" encoding="utf-8"?>
 <p:sld xmlns:a="http://schemas.openxmlformats.org/drawingml/2006/main" xmlns:r="http://schemas.openxmlformats.org/officeDocument/2006/relationships" xmlns:p="http://schemas.openxmlformats.org/presentationml/2006/main">
   <p:cSld>
     <p:spTree>
@@ -9368,7 +8281,84 @@
 </p:sld>
 </file>
 
-<file path=ppt/slides/slide24.xml><?xml version="1.0" encoding="utf-8"?>
+<file path=ppt/slides/slide2.xml><?xml version="1.0" encoding="utf-8"?>
+<p:sld xmlns:a="http://schemas.openxmlformats.org/drawingml/2006/main" xmlns:r="http://schemas.openxmlformats.org/officeDocument/2006/relationships" xmlns:p="http://schemas.openxmlformats.org/presentationml/2006/main">
+  <p:cSld>
+    <p:spTree>
+      <p:nvGrpSpPr>
+        <p:cNvPr id="1" name=""/>
+        <p:cNvGrpSpPr/>
+        <p:nvPr/>
+      </p:nvGrpSpPr>
+      <p:grpSpPr>
+        <a:xfrm>
+          <a:off x="0" y="0"/>
+          <a:ext cx="0" cy="0"/>
+          <a:chOff x="0" y="0"/>
+          <a:chExt cx="0" cy="0"/>
+        </a:xfrm>
+      </p:grpSpPr>
+      <p:sp>
+        <p:nvSpPr>
+          <p:cNvPr id="5" name="Прямоугольник 4"/>
+          <p:cNvSpPr/>
+          <p:nvPr/>
+        </p:nvSpPr>
+        <p:spPr>
+          <a:xfrm>
+            <a:off x="0" y="0"/>
+            <a:ext cx="12192000" cy="6858000"/>
+          </a:xfrm>
+          <a:prstGeom prst="rect">
+            <a:avLst/>
+          </a:prstGeom>
+          <a:solidFill>
+            <a:srgbClr val="002060"/>
+          </a:solidFill>
+        </p:spPr>
+        <p:style>
+          <a:lnRef idx="2">
+            <a:schemeClr val="accent1">
+              <a:shade val="50000"/>
+            </a:schemeClr>
+          </a:lnRef>
+          <a:fillRef idx="1">
+            <a:schemeClr val="accent1"/>
+          </a:fillRef>
+          <a:effectRef idx="0">
+            <a:schemeClr val="accent1"/>
+          </a:effectRef>
+          <a:fontRef idx="minor">
+            <a:schemeClr val="lt1"/>
+          </a:fontRef>
+        </p:style>
+        <p:txBody>
+          <a:bodyPr rtlCol="0" anchor="ctr"/>
+          <a:lstStyle/>
+          <a:p>
+            <a:pPr algn="ctr"/>
+            <a:r>
+              <a:rPr lang="ru-RU" sz="8000" b="1" dirty="0"/>
+              <a:t>1. Объекты</a:t>
+            </a:r>
+            <a:endParaRPr lang="uk-UA" sz="8000" b="1" dirty="0"/>
+          </a:p>
+        </p:txBody>
+      </p:sp>
+    </p:spTree>
+    <p:extLst>
+      <p:ext uri="{BB962C8B-B14F-4D97-AF65-F5344CB8AC3E}">
+        <p14:creationId xmlns:p14="http://schemas.microsoft.com/office/powerpoint/2010/main" val="3253847286"/>
+      </p:ext>
+    </p:extLst>
+  </p:cSld>
+  <p:clrMapOvr>
+    <a:masterClrMapping/>
+  </p:clrMapOvr>
+</p:sld>
+</file>
+
+<file path=ppt/slides/slide20.xml><?xml version="1.0" encoding="utf-8"?>
 <p:sld xmlns:a="http://schemas.openxmlformats.org/drawingml/2006/main" xmlns:r="http://schemas.openxmlformats.org/officeDocument/2006/relationships" xmlns:p="http://schemas.openxmlformats.org/presentationml/2006/main">
   <p:cSld>
     <p:spTree>
@@ -9443,7 +8433,7 @@
               <a:pPr algn="ctr">
                 <a:defRPr/>
               </a:pPr>
-              <a:t>24</a:t>
+              <a:t>20</a:t>
             </a:fld>
             <a:endParaRPr lang="uk-UA" sz="2400" b="1" dirty="0">
               <a:solidFill>

--- a/lesson05.pptx
+++ b/lesson05.pptx
@@ -145,6 +145,14 @@
 </p:presentation>
 </file>
 
+<file path=ppt/revisionInfo.xml><?xml version="1.0" encoding="utf-8"?>
+<p1510:revInfo xmlns:a="http://schemas.openxmlformats.org/drawingml/2006/main" xmlns:r="http://schemas.openxmlformats.org/officeDocument/2006/relationships" xmlns:p1510="http://schemas.microsoft.com/office/powerpoint/2015/10/main">
+  <p1510:revLst>
+    <p1510:client id="{7C31E199-7EEE-4477-9C87-CC96F8BA28F4}" v="9" dt="2024-01-04T18:44:09.544"/>
+  </p1510:revLst>
+</p1510:revInfo>
+</file>
+
 <file path=ppt/changesInfos/changesInfo1.xml><?xml version="1.0" encoding="utf-8"?>
 <pc:chgInfo xmlns:a="http://schemas.openxmlformats.org/drawingml/2006/main" xmlns:r="http://schemas.openxmlformats.org/officeDocument/2006/relationships" xmlns:ac="http://schemas.microsoft.com/office/drawing/2013/main/command" xmlns:pc="http://schemas.microsoft.com/office/powerpoint/2013/main/command">
   <pc:docChgLst>
@@ -2270,11 +2278,79 @@
   </pc:docChgLst>
   <pc:docChgLst>
     <pc:chgData name="Anatoliy Kigel" userId="7432c6c4687b0a9c" providerId="LiveId" clId="{7C31E199-7EEE-4477-9C87-CC96F8BA28F4}"/>
-    <pc:docChg chg="delSld modSld">
-      <pc:chgData name="Anatoliy Kigel" userId="7432c6c4687b0a9c" providerId="LiveId" clId="{7C31E199-7EEE-4477-9C87-CC96F8BA28F4}" dt="2023-12-29T17:44:38.128" v="6" actId="20577"/>
+    <pc:docChg chg="custSel delSld modSld">
+      <pc:chgData name="Anatoliy Kigel" userId="7432c6c4687b0a9c" providerId="LiveId" clId="{7C31E199-7EEE-4477-9C87-CC96F8BA28F4}" dt="2024-01-04T18:44:10.321" v="54" actId="6549"/>
       <pc:docMkLst>
         <pc:docMk/>
       </pc:docMkLst>
+      <pc:sldChg chg="addSp delSp modSp mod">
+        <pc:chgData name="Anatoliy Kigel" userId="7432c6c4687b0a9c" providerId="LiveId" clId="{7C31E199-7EEE-4477-9C87-CC96F8BA28F4}" dt="2024-01-04T18:43:31.684" v="45" actId="1036"/>
+        <pc:sldMkLst>
+          <pc:docMk/>
+          <pc:sldMk cId="0" sldId="341"/>
+        </pc:sldMkLst>
+        <pc:spChg chg="add mod">
+          <ac:chgData name="Anatoliy Kigel" userId="7432c6c4687b0a9c" providerId="LiveId" clId="{7C31E199-7EEE-4477-9C87-CC96F8BA28F4}" dt="2024-01-04T18:43:31.684" v="45" actId="1036"/>
+          <ac:spMkLst>
+            <pc:docMk/>
+            <pc:sldMk cId="0" sldId="341"/>
+            <ac:spMk id="3" creationId="{7B5C2319-F70B-EB6E-4996-D026A6AE017C}"/>
+          </ac:spMkLst>
+        </pc:spChg>
+        <pc:spChg chg="del">
+          <ac:chgData name="Anatoliy Kigel" userId="7432c6c4687b0a9c" providerId="LiveId" clId="{7C31E199-7EEE-4477-9C87-CC96F8BA28F4}" dt="2024-01-04T18:43:29.867" v="40" actId="478"/>
+          <ac:spMkLst>
+            <pc:docMk/>
+            <pc:sldMk cId="0" sldId="341"/>
+            <ac:spMk id="8" creationId="{00000000-0000-0000-0000-000000000000}"/>
+          </ac:spMkLst>
+        </pc:spChg>
+      </pc:sldChg>
+      <pc:sldChg chg="modSp mod">
+        <pc:chgData name="Anatoliy Kigel" userId="7432c6c4687b0a9c" providerId="LiveId" clId="{7C31E199-7EEE-4477-9C87-CC96F8BA28F4}" dt="2024-01-04T18:43:03.301" v="32" actId="6549"/>
+        <pc:sldMkLst>
+          <pc:docMk/>
+          <pc:sldMk cId="0" sldId="356"/>
+        </pc:sldMkLst>
+        <pc:spChg chg="mod">
+          <ac:chgData name="Anatoliy Kigel" userId="7432c6c4687b0a9c" providerId="LiveId" clId="{7C31E199-7EEE-4477-9C87-CC96F8BA28F4}" dt="2024-01-04T18:43:03.301" v="32" actId="6549"/>
+          <ac:spMkLst>
+            <pc:docMk/>
+            <pc:sldMk cId="0" sldId="356"/>
+            <ac:spMk id="8" creationId="{00000000-0000-0000-0000-000000000000}"/>
+          </ac:spMkLst>
+        </pc:spChg>
+      </pc:sldChg>
+      <pc:sldChg chg="modSp mod">
+        <pc:chgData name="Anatoliy Kigel" userId="7432c6c4687b0a9c" providerId="LiveId" clId="{7C31E199-7EEE-4477-9C87-CC96F8BA28F4}" dt="2024-01-04T18:43:19.331" v="38" actId="6549"/>
+        <pc:sldMkLst>
+          <pc:docMk/>
+          <pc:sldMk cId="0" sldId="357"/>
+        </pc:sldMkLst>
+        <pc:spChg chg="mod">
+          <ac:chgData name="Anatoliy Kigel" userId="7432c6c4687b0a9c" providerId="LiveId" clId="{7C31E199-7EEE-4477-9C87-CC96F8BA28F4}" dt="2024-01-04T18:43:19.331" v="38" actId="6549"/>
+          <ac:spMkLst>
+            <pc:docMk/>
+            <pc:sldMk cId="0" sldId="357"/>
+            <ac:spMk id="9" creationId="{00000000-0000-0000-0000-000000000000}"/>
+          </ac:spMkLst>
+        </pc:spChg>
+      </pc:sldChg>
+      <pc:sldChg chg="modSp mod">
+        <pc:chgData name="Anatoliy Kigel" userId="7432c6c4687b0a9c" providerId="LiveId" clId="{7C31E199-7EEE-4477-9C87-CC96F8BA28F4}" dt="2024-01-04T18:44:10.321" v="54" actId="6549"/>
+        <pc:sldMkLst>
+          <pc:docMk/>
+          <pc:sldMk cId="653578417" sldId="397"/>
+        </pc:sldMkLst>
+        <pc:spChg chg="mod">
+          <ac:chgData name="Anatoliy Kigel" userId="7432c6c4687b0a9c" providerId="LiveId" clId="{7C31E199-7EEE-4477-9C87-CC96F8BA28F4}" dt="2024-01-04T18:44:10.321" v="54" actId="6549"/>
+          <ac:spMkLst>
+            <pc:docMk/>
+            <pc:sldMk cId="653578417" sldId="397"/>
+            <ac:spMk id="9" creationId="{00000000-0000-0000-0000-000000000000}"/>
+          </ac:spMkLst>
+        </pc:spChg>
+      </pc:sldChg>
       <pc:sldChg chg="modSp mod">
         <pc:chgData name="Anatoliy Kigel" userId="7432c6c4687b0a9c" providerId="LiveId" clId="{7C31E199-7EEE-4477-9C87-CC96F8BA28F4}" dt="2023-12-29T17:44:38.128" v="6" actId="20577"/>
         <pc:sldMkLst>
@@ -2302,6 +2378,21 @@
             <pc:docMk/>
             <pc:sldMk cId="1809769971" sldId="444"/>
             <ac:spMk id="7" creationId="{00000000-0000-0000-0000-000000000000}"/>
+          </ac:spMkLst>
+        </pc:spChg>
+      </pc:sldChg>
+      <pc:sldChg chg="modSp mod">
+        <pc:chgData name="Anatoliy Kigel" userId="7432c6c4687b0a9c" providerId="LiveId" clId="{7C31E199-7EEE-4477-9C87-CC96F8BA28F4}" dt="2024-01-04T18:42:40.544" v="18" actId="6549"/>
+        <pc:sldMkLst>
+          <pc:docMk/>
+          <pc:sldMk cId="1990921513" sldId="460"/>
+        </pc:sldMkLst>
+        <pc:spChg chg="mod">
+          <ac:chgData name="Anatoliy Kigel" userId="7432c6c4687b0a9c" providerId="LiveId" clId="{7C31E199-7EEE-4477-9C87-CC96F8BA28F4}" dt="2024-01-04T18:42:40.544" v="18" actId="6549"/>
+          <ac:spMkLst>
+            <pc:docMk/>
+            <pc:sldMk cId="1990921513" sldId="460"/>
+            <ac:spMk id="9" creationId="{00000000-0000-0000-0000-000000000000}"/>
           </ac:spMkLst>
         </pc:spChg>
       </pc:sldChg>
@@ -2421,7 +2512,7 @@
             <a:fld id="{85522811-C5C6-42D2-A409-F8556720C93F}" type="datetimeFigureOut">
               <a:rPr lang="uk-UA" smtClean="0"/>
               <a:pPr/>
-              <a:t>29.12.2023</a:t>
+              <a:t>04.01.2024</a:t>
             </a:fld>
             <a:endParaRPr lang="uk-UA"/>
           </a:p>
@@ -2961,7 +3052,7 @@
             <a:fld id="{E6FC6B0D-6115-4D7C-8040-9C8E2349BB6E}" type="datetime1">
               <a:rPr lang="uk-UA" smtClean="0"/>
               <a:pPr/>
-              <a:t>29.12.2023</a:t>
+              <a:t>04.01.2024</a:t>
             </a:fld>
             <a:endParaRPr lang="uk-UA"/>
           </a:p>
@@ -3128,7 +3219,7 @@
             <a:fld id="{996367BA-0A39-4DE2-BFC3-D5290044365E}" type="datetime1">
               <a:rPr lang="uk-UA" smtClean="0"/>
               <a:pPr/>
-              <a:t>29.12.2023</a:t>
+              <a:t>04.01.2024</a:t>
             </a:fld>
             <a:endParaRPr lang="uk-UA"/>
           </a:p>
@@ -3305,7 +3396,7 @@
             <a:fld id="{1BD6A67F-6C29-47DC-AF8A-FDB3C787DF70}" type="datetime1">
               <a:rPr lang="uk-UA" smtClean="0"/>
               <a:pPr/>
-              <a:t>29.12.2023</a:t>
+              <a:t>04.01.2024</a:t>
             </a:fld>
             <a:endParaRPr lang="uk-UA"/>
           </a:p>
@@ -3472,7 +3563,7 @@
             <a:fld id="{1657D9C5-7FF1-434F-B56E-9BAD559744E9}" type="datetime1">
               <a:rPr lang="uk-UA" smtClean="0"/>
               <a:pPr/>
-              <a:t>29.12.2023</a:t>
+              <a:t>04.01.2024</a:t>
             </a:fld>
             <a:endParaRPr lang="uk-UA"/>
           </a:p>
@@ -3715,7 +3806,7 @@
             <a:fld id="{2CEB0FC9-DE63-476B-A1A9-BE934D9049F8}" type="datetime1">
               <a:rPr lang="uk-UA" smtClean="0"/>
               <a:pPr/>
-              <a:t>29.12.2023</a:t>
+              <a:t>04.01.2024</a:t>
             </a:fld>
             <a:endParaRPr lang="uk-UA"/>
           </a:p>
@@ -4000,7 +4091,7 @@
             <a:fld id="{F964460F-86E2-4DF6-9D0F-12F5005CF375}" type="datetime1">
               <a:rPr lang="uk-UA" smtClean="0"/>
               <a:pPr/>
-              <a:t>29.12.2023</a:t>
+              <a:t>04.01.2024</a:t>
             </a:fld>
             <a:endParaRPr lang="uk-UA"/>
           </a:p>
@@ -4419,7 +4510,7 @@
             <a:fld id="{C521715E-DDCD-4267-B0A5-2918B6F6768A}" type="datetime1">
               <a:rPr lang="uk-UA" smtClean="0"/>
               <a:pPr/>
-              <a:t>29.12.2023</a:t>
+              <a:t>04.01.2024</a:t>
             </a:fld>
             <a:endParaRPr lang="uk-UA"/>
           </a:p>
@@ -4534,7 +4625,7 @@
             <a:fld id="{9289842C-EB2D-4EBB-A272-2F6A49D9794D}" type="datetime1">
               <a:rPr lang="uk-UA" smtClean="0"/>
               <a:pPr/>
-              <a:t>29.12.2023</a:t>
+              <a:t>04.01.2024</a:t>
             </a:fld>
             <a:endParaRPr lang="uk-UA"/>
           </a:p>
@@ -4626,7 +4717,7 @@
             <a:fld id="{D036F091-B700-4B52-99AC-85D0FD94D904}" type="datetime1">
               <a:rPr lang="uk-UA" smtClean="0"/>
               <a:pPr/>
-              <a:t>29.12.2023</a:t>
+              <a:t>04.01.2024</a:t>
             </a:fld>
             <a:endParaRPr lang="uk-UA"/>
           </a:p>
@@ -4900,7 +4991,7 @@
             <a:fld id="{B35DFABA-3811-4634-B803-2EAC4CD0063B}" type="datetime1">
               <a:rPr lang="uk-UA" smtClean="0"/>
               <a:pPr/>
-              <a:t>29.12.2023</a:t>
+              <a:t>04.01.2024</a:t>
             </a:fld>
             <a:endParaRPr lang="uk-UA"/>
           </a:p>
@@ -5150,7 +5241,7 @@
             <a:fld id="{8A9EA25E-F88E-463A-A119-D1E55A881002}" type="datetime1">
               <a:rPr lang="uk-UA" smtClean="0"/>
               <a:pPr/>
-              <a:t>29.12.2023</a:t>
+              <a:t>04.01.2024</a:t>
             </a:fld>
             <a:endParaRPr lang="uk-UA"/>
           </a:p>
@@ -5360,7 +5451,7 @@
             <a:fld id="{E708ED03-0080-49A2-B709-7DA4ACB3A1C3}" type="datetime1">
               <a:rPr lang="uk-UA" smtClean="0"/>
               <a:pPr/>
-              <a:t>29.12.2023</a:t>
+              <a:t>04.01.2024</a:t>
             </a:fld>
             <a:endParaRPr lang="uk-UA"/>
           </a:p>
@@ -6333,10 +6424,52 @@
               <a:t> </a:t>
             </a:r>
             <a:r>
+              <a:rPr lang="uk-UA" sz="2400" b="1" dirty="0">
+                <a:hlinkClick r:id="rId2"/>
+              </a:rPr>
+              <a:t>https://</a:t>
+            </a:r>
+            <a:r>
+              <a:rPr lang="en-US" sz="2400" b="1" dirty="0" err="1">
+                <a:hlinkClick r:id="rId2"/>
+              </a:rPr>
+              <a:t>uk</a:t>
+            </a:r>
+            <a:r>
+              <a:rPr lang="uk-UA" sz="2400" b="1" dirty="0">
+                <a:hlinkClick r:id="rId2"/>
+              </a:rPr>
+              <a:t>.</a:t>
+            </a:r>
+            <a:r>
+              <a:rPr lang="uk-UA" sz="2400" b="1" dirty="0" err="1">
+                <a:hlinkClick r:id="rId2"/>
+              </a:rPr>
+              <a:t>javascript</a:t>
+            </a:r>
+            <a:r>
+              <a:rPr lang="uk-UA" sz="2400" b="1" dirty="0">
+                <a:hlinkClick r:id="rId2"/>
+              </a:rPr>
+              <a:t>.</a:t>
+            </a:r>
+            <a:r>
               <a:rPr lang="en-US" sz="2400" b="1" dirty="0">
                 <a:hlinkClick r:id="rId2"/>
               </a:rPr>
-              <a:t>https://learn.javascript.ru/prototypes</a:t>
+              <a:t>info</a:t>
+            </a:r>
+            <a:r>
+              <a:rPr lang="uk-UA" sz="2400" b="1" dirty="0">
+                <a:hlinkClick r:id="rId2"/>
+              </a:rPr>
+              <a:t>/</a:t>
+            </a:r>
+            <a:r>
+              <a:rPr lang="en-US" sz="2400" b="1" dirty="0">
+                <a:hlinkClick r:id="rId2"/>
+              </a:rPr>
+              <a:t>prototypes</a:t>
             </a:r>
             <a:endParaRPr lang="uk-UA" sz="2400" b="1" dirty="0"/>
           </a:p>
@@ -6568,13 +6701,19 @@
       </p:pic>
       <p:sp>
         <p:nvSpPr>
-          <p:cNvPr id="8" name="TextBox 7"/>
+          <p:cNvPr id="3" name="TextBox 2">
+            <a:extLst>
+              <a:ext uri="{FF2B5EF4-FFF2-40B4-BE49-F238E27FC236}">
+                <a16:creationId xmlns:a16="http://schemas.microsoft.com/office/drawing/2014/main" id="{7B5C2319-F70B-EB6E-4996-D026A6AE017C}"/>
+              </a:ext>
+            </a:extLst>
+          </p:cNvPr>
           <p:cNvSpPr txBox="1"/>
           <p:nvPr/>
         </p:nvSpPr>
         <p:spPr>
           <a:xfrm>
-            <a:off x="11759" y="6135687"/>
+            <a:off x="164159" y="6207695"/>
             <a:ext cx="12192000" cy="461665"/>
           </a:xfrm>
           <a:prstGeom prst="rect">
@@ -6598,10 +6737,52 @@
               <a:t> </a:t>
             </a:r>
             <a:r>
+              <a:rPr lang="uk-UA" sz="2400" b="1" dirty="0">
+                <a:hlinkClick r:id="rId3"/>
+              </a:rPr>
+              <a:t>https://</a:t>
+            </a:r>
+            <a:r>
+              <a:rPr lang="en-US" sz="2400" b="1" dirty="0" err="1">
+                <a:hlinkClick r:id="rId3"/>
+              </a:rPr>
+              <a:t>uk</a:t>
+            </a:r>
+            <a:r>
+              <a:rPr lang="uk-UA" sz="2400" b="1" dirty="0">
+                <a:hlinkClick r:id="rId3"/>
+              </a:rPr>
+              <a:t>.</a:t>
+            </a:r>
+            <a:r>
+              <a:rPr lang="uk-UA" sz="2400" b="1" dirty="0" err="1">
+                <a:hlinkClick r:id="rId3"/>
+              </a:rPr>
+              <a:t>javascript</a:t>
+            </a:r>
+            <a:r>
+              <a:rPr lang="uk-UA" sz="2400" b="1" dirty="0">
+                <a:hlinkClick r:id="rId3"/>
+              </a:rPr>
+              <a:t>.</a:t>
+            </a:r>
+            <a:r>
               <a:rPr lang="en-US" sz="2400" b="1" dirty="0">
                 <a:hlinkClick r:id="rId3"/>
               </a:rPr>
-              <a:t>https://learn.javascript.ru/prototypes</a:t>
+              <a:t>info</a:t>
+            </a:r>
+            <a:r>
+              <a:rPr lang="uk-UA" sz="2400" b="1" dirty="0">
+                <a:hlinkClick r:id="rId3"/>
+              </a:rPr>
+              <a:t>/</a:t>
+            </a:r>
+            <a:r>
+              <a:rPr lang="en-US" sz="2400" b="1" dirty="0">
+                <a:hlinkClick r:id="rId3"/>
+              </a:rPr>
+              <a:t>prototypes</a:t>
             </a:r>
             <a:endParaRPr lang="uk-UA" sz="2400" b="1" dirty="0"/>
           </a:p>
@@ -7071,7 +7252,7 @@
         <p:spPr>
           <a:xfrm>
             <a:off x="0" y="6207695"/>
-            <a:ext cx="12192000" cy="1200329"/>
+            <a:ext cx="12192000" cy="1569660"/>
           </a:xfrm>
           <a:prstGeom prst="rect">
             <a:avLst/>
@@ -7093,8 +7274,12 @@
               <a:rPr lang="en-US" sz="2400" b="1" dirty="0">
                 <a:hlinkClick r:id="rId2"/>
               </a:rPr>
-              <a:t>https://learn.javascript.ru/object-toprimitive</a:t>
-            </a:r>
+              <a:t>https://uk.javascript.info/object-toprimitive</a:t>
+            </a:r>
+            <a:endParaRPr lang="en-US" sz="2400" b="1" dirty="0"/>
+          </a:p>
+          <a:p>
+            <a:pPr algn="ctr"/>
             <a:endParaRPr lang="uk-UA" sz="2400" b="1" dirty="0"/>
           </a:p>
           <a:p>
@@ -10167,7 +10352,7 @@
               <a:rPr lang="en-US" sz="2400" b="1" dirty="0">
                 <a:hlinkClick r:id="rId2"/>
               </a:rPr>
-              <a:t>https://learn.javascript.ru/object-methods</a:t>
+              <a:t>https://uk.javascript.info/object-methods</a:t>
             </a:r>
             <a:endParaRPr lang="ru-RU" sz="2400" b="1" dirty="0"/>
           </a:p>
@@ -10478,7 +10663,49 @@
               <a:rPr lang="uk-UA" sz="2400" b="1" dirty="0">
                 <a:hlinkClick r:id="rId2"/>
               </a:rPr>
-              <a:t>https://learn.javascript.ru/constructor-new</a:t>
+              <a:t>https://</a:t>
+            </a:r>
+            <a:r>
+              <a:rPr lang="en-US" sz="2400" b="1" dirty="0" err="1">
+                <a:hlinkClick r:id="rId2"/>
+              </a:rPr>
+              <a:t>uk</a:t>
+            </a:r>
+            <a:r>
+              <a:rPr lang="uk-UA" sz="2400" b="1" dirty="0">
+                <a:hlinkClick r:id="rId2"/>
+              </a:rPr>
+              <a:t>.</a:t>
+            </a:r>
+            <a:r>
+              <a:rPr lang="uk-UA" sz="2400" b="1" dirty="0" err="1">
+                <a:hlinkClick r:id="rId2"/>
+              </a:rPr>
+              <a:t>javascript</a:t>
+            </a:r>
+            <a:r>
+              <a:rPr lang="uk-UA" sz="2400" b="1" dirty="0">
+                <a:hlinkClick r:id="rId2"/>
+              </a:rPr>
+              <a:t>.</a:t>
+            </a:r>
+            <a:r>
+              <a:rPr lang="en-US" sz="2400" b="1" dirty="0">
+                <a:hlinkClick r:id="rId2"/>
+              </a:rPr>
+              <a:t>info</a:t>
+            </a:r>
+            <a:r>
+              <a:rPr lang="uk-UA" sz="2400" b="1" dirty="0">
+                <a:hlinkClick r:id="rId2"/>
+              </a:rPr>
+              <a:t>/</a:t>
+            </a:r>
+            <a:r>
+              <a:rPr lang="uk-UA" sz="2400" b="1" dirty="0" err="1">
+                <a:hlinkClick r:id="rId2"/>
+              </a:rPr>
+              <a:t>constructor-new</a:t>
             </a:r>
             <a:endParaRPr lang="uk-UA" sz="2400" b="1" dirty="0"/>
           </a:p>
